--- a/Ch10_함수.pptx
+++ b/Ch10_함수.pptx
@@ -318,7 +318,7 @@
             <a:fld id="{36C39FFA-0F1A-413B-9BFE-941741C2D487}" type="datetimeFigureOut">
               <a:rPr lang="ko-KR" altLang="en-US" smtClean="0"/>
               <a:pPr/>
-              <a:t>2023-05-20</a:t>
+              <a:t>2023-05-29</a:t>
             </a:fld>
             <a:endParaRPr lang="ko-KR" altLang="en-US"/>
           </a:p>
@@ -485,7 +485,7 @@
             <a:fld id="{1F54C1B5-EB92-45E6-AFCD-6AAB73579DF8}" type="datetimeFigureOut">
               <a:rPr lang="ko-KR" altLang="en-US" smtClean="0"/>
               <a:pPr/>
-              <a:t>2023-05-20</a:t>
+              <a:t>2023-05-29</a:t>
             </a:fld>
             <a:endParaRPr lang="ko-KR" altLang="en-US"/>
           </a:p>
@@ -6233,7 +6233,7 @@
               <a:pPr>
                 <a:defRPr/>
               </a:pPr>
-              <a:t>2023-05-20</a:t>
+              <a:t>2023-05-29</a:t>
             </a:fld>
             <a:endParaRPr lang="ko-KR" altLang="en-US"/>
           </a:p>
@@ -16546,7 +16546,25 @@
                 </a:solidFill>
                 <a:cs typeface="Arial" panose="020B0604020202020204" pitchFamily="34" charset="0"/>
               </a:rPr>
-              <a:t>print("&gt;Call %d" %num</a:t>
+              <a:t>print</a:t>
+            </a:r>
+            <a:r>
+              <a:rPr lang="en-US" altLang="ko-KR" sz="1400" smtClean="0">
+                <a:solidFill>
+                  <a:srgbClr val="0000FF"/>
+                </a:solidFill>
+                <a:cs typeface="Arial" panose="020B0604020202020204" pitchFamily="34" charset="0"/>
+              </a:rPr>
+              <a:t>("&gt;&gt; Call </a:t>
+            </a:r>
+            <a:r>
+              <a:rPr lang="en-US" altLang="ko-KR" sz="1400">
+                <a:solidFill>
+                  <a:srgbClr val="0000FF"/>
+                </a:solidFill>
+                <a:cs typeface="Arial" panose="020B0604020202020204" pitchFamily="34" charset="0"/>
+              </a:rPr>
+              <a:t>%d" %num</a:t>
             </a:r>
             <a:r>
               <a:rPr lang="en-US" altLang="ko-KR" sz="1400">
@@ -16792,7 +16810,25 @@
                 </a:solidFill>
                 <a:cs typeface="Arial" panose="020B0604020202020204" pitchFamily="34" charset="0"/>
               </a:rPr>
-              <a:t>print("&gt;Return %d" %result)</a:t>
+              <a:t>print</a:t>
+            </a:r>
+            <a:r>
+              <a:rPr lang="en-US" altLang="ko-KR" sz="1400" smtClean="0">
+                <a:solidFill>
+                  <a:srgbClr val="0000FF"/>
+                </a:solidFill>
+                <a:cs typeface="Arial" panose="020B0604020202020204" pitchFamily="34" charset="0"/>
+              </a:rPr>
+              <a:t>("&lt;&lt; Return </a:t>
+            </a:r>
+            <a:r>
+              <a:rPr lang="en-US" altLang="ko-KR" sz="1400">
+                <a:solidFill>
+                  <a:srgbClr val="0000FF"/>
+                </a:solidFill>
+                <a:cs typeface="Arial" panose="020B0604020202020204" pitchFamily="34" charset="0"/>
+              </a:rPr>
+              <a:t>%d" %result)</a:t>
             </a:r>
           </a:p>
           <a:p>
@@ -17099,6 +17135,95 @@
                   <a:lumOff val="15000"/>
                 </a:schemeClr>
               </a:solidFill>
+            </a:endParaRPr>
+          </a:p>
+        </p:txBody>
+      </p:sp>
+      <p:pic>
+        <p:nvPicPr>
+          <p:cNvPr id="3" name="그림 2"/>
+          <p:cNvPicPr>
+            <a:picLocks noChangeAspect="1"/>
+          </p:cNvPicPr>
+          <p:nvPr/>
+        </p:nvPicPr>
+        <p:blipFill>
+          <a:blip r:embed="rId2"/>
+          <a:stretch>
+            <a:fillRect/>
+          </a:stretch>
+        </p:blipFill>
+        <p:spPr>
+          <a:xfrm>
+            <a:off x="6082899" y="3710347"/>
+            <a:ext cx="1695687" cy="1781424"/>
+          </a:xfrm>
+          <a:prstGeom prst="rect">
+            <a:avLst/>
+          </a:prstGeom>
+          <a:ln>
+            <a:solidFill>
+              <a:schemeClr val="bg1">
+                <a:lumMod val="85000"/>
+              </a:schemeClr>
+            </a:solidFill>
+          </a:ln>
+          <a:effectLst>
+            <a:outerShdw blurRad="50800" dist="38100" dir="2700000" algn="tl" rotWithShape="0">
+              <a:prstClr val="black">
+                <a:alpha val="40000"/>
+              </a:prstClr>
+            </a:outerShdw>
+          </a:effectLst>
+        </p:spPr>
+      </p:pic>
+      <p:sp>
+        <p:nvSpPr>
+          <p:cNvPr id="6" name="TextBox 5"/>
+          <p:cNvSpPr txBox="1"/>
+          <p:nvPr/>
+        </p:nvSpPr>
+        <p:spPr>
+          <a:xfrm>
+            <a:off x="6444208" y="1506903"/>
+            <a:ext cx="2011303" cy="422006"/>
+          </a:xfrm>
+          <a:prstGeom prst="rect">
+            <a:avLst/>
+          </a:prstGeom>
+        </p:spPr>
+        <p:txBody>
+          <a:bodyPr vert="horz" wrap="none" lIns="91440" tIns="45720" rIns="91440" bIns="45720" rtlCol="0" anchor="ctr">
+            <a:normAutofit/>
+          </a:bodyPr>
+          <a:lstStyle/>
+          <a:p>
+            <a:pPr marL="285750" indent="-285750">
+              <a:buFont typeface="Wingdings" panose="05000000000000000000" pitchFamily="2" charset="2"/>
+              <a:buChar char="v"/>
+            </a:pPr>
+            <a:r>
+              <a:rPr lang="en-US" altLang="ko-KR" sz="1400" smtClean="0">
+                <a:solidFill>
+                  <a:schemeClr val="tx1">
+                    <a:lumMod val="50000"/>
+                    <a:lumOff val="50000"/>
+                  </a:schemeClr>
+                </a:solidFill>
+                <a:latin typeface="+mn-ea"/>
+                <a:ea typeface="+mn-ea"/>
+              </a:rPr>
+              <a:t>Ch10-nFactorial.py</a:t>
+            </a:r>
+            <a:endParaRPr lang="ko-KR" altLang="en-US" sz="1400" dirty="0" smtClean="0">
+              <a:solidFill>
+                <a:schemeClr val="tx1">
+                  <a:lumMod val="50000"/>
+                  <a:lumOff val="50000"/>
+                </a:schemeClr>
+              </a:solidFill>
+              <a:latin typeface="+mn-ea"/>
+              <a:ea typeface="+mn-ea"/>
             </a:endParaRPr>
           </a:p>
         </p:txBody>
@@ -17309,7 +17434,7 @@
         <p:spPr>
           <a:xfrm>
             <a:off x="827584" y="2636912"/>
-            <a:ext cx="7596844" cy="1656184"/>
+            <a:ext cx="7596844" cy="2304256"/>
           </a:xfrm>
           <a:prstGeom prst="rect">
             <a:avLst/>
@@ -17348,6 +17473,9 @@
           <a:lstStyle/>
           <a:p>
             <a:pPr>
+              <a:lnSpc>
+                <a:spcPct val="150000"/>
+              </a:lnSpc>
               <a:buClr>
                 <a:srgbClr val="3C479D"/>
               </a:buClr>
@@ -17400,6 +17528,9 @@
           </a:p>
           <a:p>
             <a:pPr>
+              <a:lnSpc>
+                <a:spcPct val="150000"/>
+              </a:lnSpc>
               <a:buClr>
                 <a:srgbClr val="3C479D"/>
               </a:buClr>
@@ -17431,6 +17562,9 @@
           </a:p>
           <a:p>
             <a:pPr>
+              <a:lnSpc>
+                <a:spcPct val="150000"/>
+              </a:lnSpc>
               <a:buClr>
                 <a:srgbClr val="3C479D"/>
               </a:buClr>
@@ -17447,6 +17581,9 @@
           </a:p>
           <a:p>
             <a:pPr>
+              <a:lnSpc>
+                <a:spcPct val="150000"/>
+              </a:lnSpc>
               <a:buClr>
                 <a:srgbClr val="3C479D"/>
               </a:buClr>
@@ -17526,6 +17663,9 @@
           </a:p>
           <a:p>
             <a:pPr>
+              <a:lnSpc>
+                <a:spcPct val="150000"/>
+              </a:lnSpc>
               <a:buClr>
                 <a:srgbClr val="3C479D"/>
               </a:buClr>
@@ -17541,6 +17681,9 @@
           </a:p>
           <a:p>
             <a:pPr>
+              <a:lnSpc>
+                <a:spcPct val="150000"/>
+              </a:lnSpc>
               <a:buClr>
                 <a:srgbClr val="3C479D"/>
               </a:buClr>
@@ -17556,6 +17699,9 @@
           </a:p>
           <a:p>
             <a:pPr>
+              <a:lnSpc>
+                <a:spcPct val="150000"/>
+              </a:lnSpc>
               <a:buClr>
                 <a:srgbClr val="3C479D"/>
               </a:buClr>
@@ -17772,7 +17918,7 @@
         </p:blipFill>
         <p:spPr>
           <a:xfrm>
-            <a:off x="5460410" y="5909518"/>
+            <a:off x="5796136" y="4221088"/>
             <a:ext cx="2372056" cy="514422"/>
           </a:xfrm>
           <a:prstGeom prst="rect">
@@ -21007,18 +21153,7 @@
                   </a:schemeClr>
                 </a:solidFill>
               </a:rPr>
-              <a:t>O(log n)   </a:t>
-            </a:r>
-            <a:r>
-              <a:rPr lang="en-US" altLang="ko-KR" sz="1200" smtClean="0">
-                <a:solidFill>
-                  <a:schemeClr val="tx1">
-                    <a:lumMod val="85000"/>
-                    <a:lumOff val="15000"/>
-                  </a:schemeClr>
-                </a:solidFill>
-              </a:rPr>
-              <a:t>#base</a:t>
+              <a:t>O(log n)   #base</a:t>
             </a:r>
             <a:r>
               <a:rPr lang="ko-KR" altLang="en-US" sz="1200" smtClean="0">

--- a/Ch10_함수.pptx
+++ b/Ch10_함수.pptx
@@ -5,10 +5,10 @@
     <p:sldMasterId id="2147483648" r:id="rId1"/>
   </p:sldMasterIdLst>
   <p:notesMasterIdLst>
-    <p:notesMasterId r:id="rId65"/>
+    <p:notesMasterId r:id="rId66"/>
   </p:notesMasterIdLst>
   <p:handoutMasterIdLst>
-    <p:handoutMasterId r:id="rId66"/>
+    <p:handoutMasterId r:id="rId67"/>
   </p:handoutMasterIdLst>
   <p:sldIdLst>
     <p:sldId id="256" r:id="rId2"/>
@@ -55,25 +55,26 @@
     <p:sldId id="718" r:id="rId43"/>
     <p:sldId id="719" r:id="rId44"/>
     <p:sldId id="717" r:id="rId45"/>
-    <p:sldId id="684" r:id="rId46"/>
-    <p:sldId id="592" r:id="rId47"/>
-    <p:sldId id="685" r:id="rId48"/>
-    <p:sldId id="686" r:id="rId49"/>
-    <p:sldId id="687" r:id="rId50"/>
-    <p:sldId id="688" r:id="rId51"/>
-    <p:sldId id="689" r:id="rId52"/>
-    <p:sldId id="690" r:id="rId53"/>
-    <p:sldId id="691" r:id="rId54"/>
-    <p:sldId id="692" r:id="rId55"/>
-    <p:sldId id="693" r:id="rId56"/>
-    <p:sldId id="694" r:id="rId57"/>
-    <p:sldId id="695" r:id="rId58"/>
-    <p:sldId id="696" r:id="rId59"/>
-    <p:sldId id="697" r:id="rId60"/>
-    <p:sldId id="698" r:id="rId61"/>
-    <p:sldId id="699" r:id="rId62"/>
-    <p:sldId id="700" r:id="rId63"/>
-    <p:sldId id="385" r:id="rId64"/>
+    <p:sldId id="720" r:id="rId46"/>
+    <p:sldId id="684" r:id="rId47"/>
+    <p:sldId id="592" r:id="rId48"/>
+    <p:sldId id="685" r:id="rId49"/>
+    <p:sldId id="686" r:id="rId50"/>
+    <p:sldId id="687" r:id="rId51"/>
+    <p:sldId id="688" r:id="rId52"/>
+    <p:sldId id="689" r:id="rId53"/>
+    <p:sldId id="690" r:id="rId54"/>
+    <p:sldId id="691" r:id="rId55"/>
+    <p:sldId id="692" r:id="rId56"/>
+    <p:sldId id="693" r:id="rId57"/>
+    <p:sldId id="694" r:id="rId58"/>
+    <p:sldId id="695" r:id="rId59"/>
+    <p:sldId id="696" r:id="rId60"/>
+    <p:sldId id="697" r:id="rId61"/>
+    <p:sldId id="698" r:id="rId62"/>
+    <p:sldId id="699" r:id="rId63"/>
+    <p:sldId id="700" r:id="rId64"/>
+    <p:sldId id="385" r:id="rId65"/>
   </p:sldIdLst>
   <p:sldSz cx="9144000" cy="6858000" type="screen4x3"/>
   <p:notesSz cx="6858000" cy="9144000"/>
@@ -318,7 +319,7 @@
             <a:fld id="{36C39FFA-0F1A-413B-9BFE-941741C2D487}" type="datetimeFigureOut">
               <a:rPr lang="ko-KR" altLang="en-US" smtClean="0"/>
               <a:pPr/>
-              <a:t>2023-05-29</a:t>
+              <a:t>2023-05-30</a:t>
             </a:fld>
             <a:endParaRPr lang="ko-KR" altLang="en-US"/>
           </a:p>
@@ -485,7 +486,7 @@
             <a:fld id="{1F54C1B5-EB92-45E6-AFCD-6AAB73579DF8}" type="datetimeFigureOut">
               <a:rPr lang="ko-KR" altLang="en-US" smtClean="0"/>
               <a:pPr/>
-              <a:t>2023-05-29</a:t>
+              <a:t>2023-05-30</a:t>
             </a:fld>
             <a:endParaRPr lang="ko-KR" altLang="en-US"/>
           </a:p>
@@ -904,7 +905,7 @@
             <a:fld id="{5C1137B9-5383-4519-A69D-AA54E0B9CE3B}" type="slidenum">
               <a:rPr lang="ko-KR" altLang="en-US" smtClean="0"/>
               <a:pPr/>
-              <a:t>51</a:t>
+              <a:t>52</a:t>
             </a:fld>
             <a:endParaRPr lang="ko-KR" altLang="en-US"/>
           </a:p>
@@ -989,7 +990,7 @@
             <a:fld id="{5C1137B9-5383-4519-A69D-AA54E0B9CE3B}" type="slidenum">
               <a:rPr lang="ko-KR" altLang="en-US" smtClean="0"/>
               <a:pPr/>
-              <a:t>52</a:t>
+              <a:t>53</a:t>
             </a:fld>
             <a:endParaRPr lang="ko-KR" altLang="en-US"/>
           </a:p>
@@ -1074,7 +1075,7 @@
             <a:fld id="{5C1137B9-5383-4519-A69D-AA54E0B9CE3B}" type="slidenum">
               <a:rPr lang="ko-KR" altLang="en-US" smtClean="0"/>
               <a:pPr/>
-              <a:t>53</a:t>
+              <a:t>54</a:t>
             </a:fld>
             <a:endParaRPr lang="ko-KR" altLang="en-US"/>
           </a:p>
@@ -1159,7 +1160,7 @@
             <a:fld id="{5C1137B9-5383-4519-A69D-AA54E0B9CE3B}" type="slidenum">
               <a:rPr lang="ko-KR" altLang="en-US" smtClean="0"/>
               <a:pPr/>
-              <a:t>54</a:t>
+              <a:t>55</a:t>
             </a:fld>
             <a:endParaRPr lang="ko-KR" altLang="en-US"/>
           </a:p>
@@ -1244,7 +1245,7 @@
             <a:fld id="{5C1137B9-5383-4519-A69D-AA54E0B9CE3B}" type="slidenum">
               <a:rPr lang="ko-KR" altLang="en-US" smtClean="0"/>
               <a:pPr/>
-              <a:t>55</a:t>
+              <a:t>56</a:t>
             </a:fld>
             <a:endParaRPr lang="ko-KR" altLang="en-US"/>
           </a:p>
@@ -1329,7 +1330,7 @@
             <a:fld id="{5C1137B9-5383-4519-A69D-AA54E0B9CE3B}" type="slidenum">
               <a:rPr lang="ko-KR" altLang="en-US" smtClean="0"/>
               <a:pPr/>
-              <a:t>56</a:t>
+              <a:t>57</a:t>
             </a:fld>
             <a:endParaRPr lang="ko-KR" altLang="en-US"/>
           </a:p>
@@ -1414,7 +1415,7 @@
             <a:fld id="{5C1137B9-5383-4519-A69D-AA54E0B9CE3B}" type="slidenum">
               <a:rPr lang="ko-KR" altLang="en-US" smtClean="0"/>
               <a:pPr/>
-              <a:t>57</a:t>
+              <a:t>58</a:t>
             </a:fld>
             <a:endParaRPr lang="ko-KR" altLang="en-US"/>
           </a:p>
@@ -1499,7 +1500,7 @@
             <a:fld id="{5C1137B9-5383-4519-A69D-AA54E0B9CE3B}" type="slidenum">
               <a:rPr lang="ko-KR" altLang="en-US" smtClean="0"/>
               <a:pPr/>
-              <a:t>58</a:t>
+              <a:t>59</a:t>
             </a:fld>
             <a:endParaRPr lang="ko-KR" altLang="en-US"/>
           </a:p>
@@ -1584,7 +1585,7 @@
             <a:fld id="{5C1137B9-5383-4519-A69D-AA54E0B9CE3B}" type="slidenum">
               <a:rPr lang="ko-KR" altLang="en-US" smtClean="0"/>
               <a:pPr/>
-              <a:t>59</a:t>
+              <a:t>60</a:t>
             </a:fld>
             <a:endParaRPr lang="ko-KR" altLang="en-US"/>
           </a:p>
@@ -1669,7 +1670,7 @@
             <a:fld id="{5C1137B9-5383-4519-A69D-AA54E0B9CE3B}" type="slidenum">
               <a:rPr lang="ko-KR" altLang="en-US" smtClean="0"/>
               <a:pPr/>
-              <a:t>60</a:t>
+              <a:t>61</a:t>
             </a:fld>
             <a:endParaRPr lang="ko-KR" altLang="en-US"/>
           </a:p>
@@ -1839,7 +1840,7 @@
             <a:fld id="{5C1137B9-5383-4519-A69D-AA54E0B9CE3B}" type="slidenum">
               <a:rPr lang="ko-KR" altLang="en-US" smtClean="0"/>
               <a:pPr/>
-              <a:t>61</a:t>
+              <a:t>62</a:t>
             </a:fld>
             <a:endParaRPr lang="ko-KR" altLang="en-US"/>
           </a:p>
@@ -1924,7 +1925,7 @@
             <a:fld id="{5C1137B9-5383-4519-A69D-AA54E0B9CE3B}" type="slidenum">
               <a:rPr lang="ko-KR" altLang="en-US" smtClean="0"/>
               <a:pPr/>
-              <a:t>62</a:t>
+              <a:t>63</a:t>
             </a:fld>
             <a:endParaRPr lang="ko-KR" altLang="en-US"/>
           </a:p>
@@ -2179,7 +2180,7 @@
             <a:fld id="{5C1137B9-5383-4519-A69D-AA54E0B9CE3B}" type="slidenum">
               <a:rPr lang="ko-KR" altLang="en-US" smtClean="0"/>
               <a:pPr/>
-              <a:t>46</a:t>
+              <a:t>47</a:t>
             </a:fld>
             <a:endParaRPr lang="ko-KR" altLang="en-US"/>
           </a:p>
@@ -2264,7 +2265,7 @@
             <a:fld id="{5C1137B9-5383-4519-A69D-AA54E0B9CE3B}" type="slidenum">
               <a:rPr lang="ko-KR" altLang="en-US" smtClean="0"/>
               <a:pPr/>
-              <a:t>47</a:t>
+              <a:t>48</a:t>
             </a:fld>
             <a:endParaRPr lang="ko-KR" altLang="en-US"/>
           </a:p>
@@ -2349,7 +2350,7 @@
             <a:fld id="{5C1137B9-5383-4519-A69D-AA54E0B9CE3B}" type="slidenum">
               <a:rPr lang="ko-KR" altLang="en-US" smtClean="0"/>
               <a:pPr/>
-              <a:t>48</a:t>
+              <a:t>49</a:t>
             </a:fld>
             <a:endParaRPr lang="ko-KR" altLang="en-US"/>
           </a:p>
@@ -2434,7 +2435,7 @@
             <a:fld id="{5C1137B9-5383-4519-A69D-AA54E0B9CE3B}" type="slidenum">
               <a:rPr lang="ko-KR" altLang="en-US" smtClean="0"/>
               <a:pPr/>
-              <a:t>49</a:t>
+              <a:t>50</a:t>
             </a:fld>
             <a:endParaRPr lang="ko-KR" altLang="en-US"/>
           </a:p>
@@ -2519,7 +2520,7 @@
             <a:fld id="{5C1137B9-5383-4519-A69D-AA54E0B9CE3B}" type="slidenum">
               <a:rPr lang="ko-KR" altLang="en-US" smtClean="0"/>
               <a:pPr/>
-              <a:t>50</a:t>
+              <a:t>51</a:t>
             </a:fld>
             <a:endParaRPr lang="ko-KR" altLang="en-US"/>
           </a:p>
@@ -6233,7 +6234,7 @@
               <a:pPr>
                 <a:defRPr/>
               </a:pPr>
-              <a:t>2023-05-29</a:t>
+              <a:t>2023-05-30</a:t>
             </a:fld>
             <a:endParaRPr lang="ko-KR" altLang="en-US"/>
           </a:p>
@@ -29785,6 +29786,630 @@
       </p:grpSpPr>
       <p:sp>
         <p:nvSpPr>
+          <p:cNvPr id="2" name="제목 1"/>
+          <p:cNvSpPr>
+            <a:spLocks noGrp="1"/>
+          </p:cNvSpPr>
+          <p:nvPr>
+            <p:ph type="title"/>
+          </p:nvPr>
+        </p:nvSpPr>
+        <p:spPr>
+          <a:xfrm>
+            <a:off x="539552" y="184745"/>
+            <a:ext cx="7992888" cy="548680"/>
+          </a:xfrm>
+        </p:spPr>
+        <p:txBody>
+          <a:bodyPr/>
+          <a:lstStyle/>
+          <a:p>
+            <a:r>
+              <a:rPr lang="en-US" altLang="ko-KR">
+                <a:solidFill>
+                  <a:srgbClr val="3C479D"/>
+                </a:solidFill>
+              </a:rPr>
+              <a:t>02. </a:t>
+            </a:r>
+            <a:r>
+              <a:rPr lang="ko-KR" altLang="en-US"/>
+              <a:t>함수의 사용</a:t>
+            </a:r>
+          </a:p>
+        </p:txBody>
+      </p:sp>
+      <p:sp>
+        <p:nvSpPr>
+          <p:cNvPr id="4" name="내용 개체 틀 2"/>
+          <p:cNvSpPr>
+            <a:spLocks noGrp="1"/>
+          </p:cNvSpPr>
+          <p:nvPr>
+            <p:ph idx="10"/>
+          </p:nvPr>
+        </p:nvSpPr>
+        <p:spPr>
+          <a:xfrm>
+            <a:off x="539552" y="980729"/>
+            <a:ext cx="8352928" cy="2376263"/>
+          </a:xfrm>
+        </p:spPr>
+        <p:txBody>
+          <a:bodyPr/>
+          <a:lstStyle/>
+          <a:p>
+            <a:pPr marL="514350" indent="-514350">
+              <a:buClr>
+                <a:srgbClr val="3C479D"/>
+              </a:buClr>
+              <a:buFont typeface="+mj-lt"/>
+              <a:buAutoNum type="romanUcPeriod" startAt="8"/>
+            </a:pPr>
+            <a:r>
+              <a:rPr lang="ko-KR" altLang="en-US" sz="2000" smtClean="0"/>
+              <a:t>람다</a:t>
+            </a:r>
+            <a:r>
+              <a:rPr lang="ko-KR" altLang="en-US" sz="2000" smtClean="0"/>
+              <a:t> </a:t>
+            </a:r>
+            <a:r>
+              <a:rPr lang="ko-KR" altLang="en-US" sz="2000" smtClean="0"/>
+              <a:t>함수</a:t>
+            </a:r>
+            <a:endParaRPr lang="en-US" altLang="ko-KR" sz="1600"/>
+          </a:p>
+          <a:p>
+            <a:pPr lvl="2">
+              <a:lnSpc>
+                <a:spcPct val="150000"/>
+              </a:lnSpc>
+              <a:buClr>
+                <a:srgbClr val="3C479D"/>
+              </a:buClr>
+            </a:pPr>
+            <a:r>
+              <a:rPr lang="ko-KR" altLang="en-US" sz="1600" smtClean="0"/>
+              <a:t>람다 </a:t>
+            </a:r>
+            <a:r>
+              <a:rPr lang="ko-KR" altLang="en-US" sz="1600" smtClean="0"/>
+              <a:t>함수</a:t>
+            </a:r>
+            <a:r>
+              <a:rPr lang="en-US" altLang="ko-KR" sz="1600" smtClean="0"/>
+              <a:t>(Lambda </a:t>
+            </a:r>
+            <a:r>
+              <a:rPr lang="en-US" altLang="ko-KR" sz="1600" smtClean="0"/>
+              <a:t>Function)</a:t>
+            </a:r>
+          </a:p>
+          <a:p>
+            <a:pPr lvl="3">
+              <a:lnSpc>
+                <a:spcPct val="150000"/>
+              </a:lnSpc>
+              <a:buClr>
+                <a:srgbClr val="3C479D"/>
+              </a:buClr>
+            </a:pPr>
+            <a:r>
+              <a:rPr lang="en-US" altLang="ko-KR" sz="1500" smtClean="0"/>
+              <a:t>Python </a:t>
+            </a:r>
+            <a:r>
+              <a:rPr lang="ko-KR" altLang="en-US" sz="1500" smtClean="0"/>
+              <a:t>내장 </a:t>
+            </a:r>
+            <a:r>
+              <a:rPr lang="ko-KR" altLang="en-US" sz="1500" smtClean="0"/>
+              <a:t>함수로서 함수 객체를 반환</a:t>
+            </a:r>
+            <a:endParaRPr lang="en-US" altLang="ko-KR" sz="1500" smtClean="0"/>
+          </a:p>
+          <a:p>
+            <a:pPr lvl="3">
+              <a:lnSpc>
+                <a:spcPct val="150000"/>
+              </a:lnSpc>
+              <a:buClr>
+                <a:srgbClr val="3C479D"/>
+              </a:buClr>
+            </a:pPr>
+            <a:r>
+              <a:rPr lang="en-US" altLang="ko-KR" sz="1500" smtClean="0"/>
+              <a:t>return </a:t>
+            </a:r>
+            <a:r>
+              <a:rPr lang="ko-KR" altLang="en-US" sz="1500" smtClean="0"/>
+              <a:t>문이 필요없고</a:t>
+            </a:r>
+            <a:r>
+              <a:rPr lang="en-US" altLang="ko-KR" sz="1500" smtClean="0"/>
+              <a:t>, </a:t>
+            </a:r>
+            <a:r>
+              <a:rPr lang="ko-KR" altLang="en-US" sz="1500" smtClean="0"/>
+              <a:t>함수를 간단하게 구현 가능</a:t>
+            </a:r>
+            <a:endParaRPr lang="ko-KR" altLang="en-US" sz="1500"/>
+          </a:p>
+          <a:p>
+            <a:pPr lvl="3">
+              <a:lnSpc>
+                <a:spcPct val="150000"/>
+              </a:lnSpc>
+              <a:buClr>
+                <a:srgbClr val="3C479D"/>
+              </a:buClr>
+            </a:pPr>
+            <a:r>
+              <a:rPr lang="ko-KR" altLang="en-US" sz="1400" smtClean="0"/>
+              <a:t>사용 후 바로 사라짐</a:t>
+            </a:r>
+            <a:endParaRPr lang="en-US" altLang="ko-KR" sz="1400"/>
+          </a:p>
+        </p:txBody>
+      </p:sp>
+      <p:sp>
+        <p:nvSpPr>
+          <p:cNvPr id="3" name="직사각형 2"/>
+          <p:cNvSpPr/>
+          <p:nvPr/>
+        </p:nvSpPr>
+        <p:spPr>
+          <a:xfrm>
+            <a:off x="1331640" y="3355269"/>
+            <a:ext cx="6120680" cy="954107"/>
+          </a:xfrm>
+          <a:prstGeom prst="rect">
+            <a:avLst/>
+          </a:prstGeom>
+          <a:solidFill>
+            <a:schemeClr val="bg1">
+              <a:lumMod val="95000"/>
+            </a:schemeClr>
+          </a:solidFill>
+          <a:ln>
+            <a:solidFill>
+              <a:schemeClr val="bg1">
+                <a:lumMod val="75000"/>
+              </a:schemeClr>
+            </a:solidFill>
+          </a:ln>
+          <a:effectLst>
+            <a:outerShdw blurRad="50800" dist="38100" dir="2700000" algn="tl" rotWithShape="0">
+              <a:prstClr val="black">
+                <a:alpha val="40000"/>
+              </a:prstClr>
+            </a:outerShdw>
+          </a:effectLst>
+        </p:spPr>
+        <p:txBody>
+          <a:bodyPr wrap="square">
+            <a:spAutoFit/>
+          </a:bodyPr>
+          <a:lstStyle/>
+          <a:p>
+            <a:r>
+              <a:rPr lang="en-US" altLang="ko-KR" sz="1400" smtClean="0">
+                <a:latin typeface="+mn-ea"/>
+                <a:ea typeface="+mn-ea"/>
+              </a:rPr>
+              <a:t>multi = lambda x, y: x * y</a:t>
+            </a:r>
+            <a:r>
+              <a:rPr lang="ko-KR" altLang="en-US" sz="1400" smtClean="0">
+                <a:latin typeface="+mn-ea"/>
+                <a:ea typeface="+mn-ea"/>
+              </a:rPr>
+              <a:t>  </a:t>
+            </a:r>
+            <a:r>
+              <a:rPr lang="ko-KR" altLang="en-US" sz="1400" smtClean="0">
+                <a:solidFill>
+                  <a:schemeClr val="tx1">
+                    <a:lumMod val="50000"/>
+                    <a:lumOff val="50000"/>
+                  </a:schemeClr>
+                </a:solidFill>
+                <a:latin typeface="+mn-ea"/>
+                <a:ea typeface="+mn-ea"/>
+              </a:rPr>
+              <a:t>#람다함수로 </a:t>
+            </a:r>
+            <a:r>
+              <a:rPr lang="ko-KR" altLang="en-US" sz="1400" smtClean="0">
+                <a:solidFill>
+                  <a:schemeClr val="tx1">
+                    <a:lumMod val="50000"/>
+                    <a:lumOff val="50000"/>
+                  </a:schemeClr>
+                </a:solidFill>
+                <a:latin typeface="+mn-ea"/>
+                <a:ea typeface="+mn-ea"/>
+              </a:rPr>
+              <a:t>함수 변수 생성</a:t>
+            </a:r>
+            <a:endParaRPr lang="ko-KR" altLang="en-US" sz="1400">
+              <a:solidFill>
+                <a:schemeClr val="tx1">
+                  <a:lumMod val="50000"/>
+                  <a:lumOff val="50000"/>
+                </a:schemeClr>
+              </a:solidFill>
+              <a:latin typeface="+mn-ea"/>
+              <a:ea typeface="+mn-ea"/>
+            </a:endParaRPr>
+          </a:p>
+          <a:p>
+            <a:endParaRPr lang="en-US" altLang="ko-KR" sz="1400">
+              <a:latin typeface="+mn-ea"/>
+              <a:ea typeface="+mn-ea"/>
+            </a:endParaRPr>
+          </a:p>
+          <a:p>
+            <a:r>
+              <a:rPr lang="en-US" altLang="ko-KR" sz="1400" smtClean="0">
+                <a:latin typeface="+mn-ea"/>
+                <a:ea typeface="+mn-ea"/>
+              </a:rPr>
+              <a:t>result = muli(3, 4</a:t>
+            </a:r>
+            <a:r>
+              <a:rPr lang="ko-KR" altLang="en-US" sz="1400" smtClean="0">
+                <a:latin typeface="+mn-ea"/>
+                <a:ea typeface="+mn-ea"/>
+              </a:rPr>
+              <a:t>)</a:t>
+            </a:r>
+            <a:endParaRPr lang="en-US" altLang="ko-KR" sz="1400" smtClean="0">
+              <a:latin typeface="+mn-ea"/>
+              <a:ea typeface="+mn-ea"/>
+            </a:endParaRPr>
+          </a:p>
+          <a:p>
+            <a:r>
+              <a:rPr lang="en-US" altLang="ko-KR" sz="1400" smtClean="0">
+                <a:latin typeface="+mn-ea"/>
+                <a:ea typeface="+mn-ea"/>
+              </a:rPr>
+              <a:t>print(result)</a:t>
+            </a:r>
+            <a:endParaRPr lang="ko-KR" altLang="en-US" sz="1400">
+              <a:latin typeface="+mn-ea"/>
+              <a:ea typeface="+mn-ea"/>
+            </a:endParaRPr>
+          </a:p>
+        </p:txBody>
+      </p:sp>
+      <p:sp>
+        <p:nvSpPr>
+          <p:cNvPr id="5" name="직사각형 4"/>
+          <p:cNvSpPr/>
+          <p:nvPr/>
+        </p:nvSpPr>
+        <p:spPr>
+          <a:xfrm>
+            <a:off x="1331640" y="5480739"/>
+            <a:ext cx="6120680" cy="738664"/>
+          </a:xfrm>
+          <a:prstGeom prst="rect">
+            <a:avLst/>
+          </a:prstGeom>
+          <a:solidFill>
+            <a:schemeClr val="bg1">
+              <a:lumMod val="95000"/>
+            </a:schemeClr>
+          </a:solidFill>
+          <a:ln>
+            <a:solidFill>
+              <a:schemeClr val="bg1">
+                <a:lumMod val="75000"/>
+              </a:schemeClr>
+            </a:solidFill>
+          </a:ln>
+          <a:effectLst>
+            <a:outerShdw blurRad="50800" dist="38100" dir="2700000" algn="tl" rotWithShape="0">
+              <a:prstClr val="black">
+                <a:alpha val="40000"/>
+              </a:prstClr>
+            </a:outerShdw>
+          </a:effectLst>
+        </p:spPr>
+        <p:txBody>
+          <a:bodyPr wrap="square">
+            <a:spAutoFit/>
+          </a:bodyPr>
+          <a:lstStyle/>
+          <a:p>
+            <a:r>
+              <a:rPr lang="en-US" altLang="ko-KR" sz="1400">
+                <a:latin typeface="+mn-ea"/>
+                <a:ea typeface="+mn-ea"/>
+              </a:rPr>
+              <a:t> </a:t>
+            </a:r>
+            <a:r>
+              <a:rPr lang="en-US" altLang="ko-KR" sz="1400">
+                <a:latin typeface="+mn-ea"/>
+                <a:ea typeface="+mn-ea"/>
+              </a:rPr>
+              <a:t>result </a:t>
+            </a:r>
+            <a:r>
+              <a:rPr lang="en-US" altLang="ko-KR" sz="1400" smtClean="0">
+                <a:latin typeface="+mn-ea"/>
+                <a:ea typeface="+mn-ea"/>
+              </a:rPr>
+              <a:t>= (</a:t>
+            </a:r>
+            <a:r>
+              <a:rPr lang="en-US" altLang="ko-KR" sz="1400">
+                <a:latin typeface="+mn-ea"/>
+                <a:ea typeface="+mn-ea"/>
+              </a:rPr>
+              <a:t>lambda x, y: x * y)(3, 4)</a:t>
+            </a:r>
+            <a:r>
+              <a:rPr lang="ko-KR" altLang="en-US" sz="1400" smtClean="0">
+                <a:latin typeface="+mn-ea"/>
+                <a:ea typeface="+mn-ea"/>
+              </a:rPr>
+              <a:t>  </a:t>
+            </a:r>
+            <a:r>
+              <a:rPr lang="ko-KR" altLang="en-US" sz="1400" smtClean="0">
+                <a:solidFill>
+                  <a:schemeClr val="tx1">
+                    <a:lumMod val="50000"/>
+                    <a:lumOff val="50000"/>
+                  </a:schemeClr>
+                </a:solidFill>
+                <a:latin typeface="+mn-ea"/>
+                <a:ea typeface="+mn-ea"/>
+              </a:rPr>
+              <a:t>#람다함수로 </a:t>
+            </a:r>
+            <a:r>
+              <a:rPr lang="ko-KR" altLang="en-US" sz="1400" smtClean="0">
+                <a:solidFill>
+                  <a:schemeClr val="tx1">
+                    <a:lumMod val="50000"/>
+                    <a:lumOff val="50000"/>
+                  </a:schemeClr>
+                </a:solidFill>
+                <a:latin typeface="+mn-ea"/>
+                <a:ea typeface="+mn-ea"/>
+              </a:rPr>
+              <a:t>인수를 바로 전달</a:t>
+            </a:r>
+            <a:endParaRPr lang="ko-KR" altLang="en-US" sz="1400">
+              <a:solidFill>
+                <a:schemeClr val="tx1">
+                  <a:lumMod val="50000"/>
+                  <a:lumOff val="50000"/>
+                </a:schemeClr>
+              </a:solidFill>
+              <a:latin typeface="+mn-ea"/>
+              <a:ea typeface="+mn-ea"/>
+            </a:endParaRPr>
+          </a:p>
+          <a:p>
+            <a:endParaRPr lang="en-US" altLang="ko-KR" sz="1400">
+              <a:latin typeface="+mn-ea"/>
+              <a:ea typeface="+mn-ea"/>
+            </a:endParaRPr>
+          </a:p>
+          <a:p>
+            <a:r>
+              <a:rPr lang="en-US" altLang="ko-KR" sz="1400" smtClean="0">
+                <a:latin typeface="+mn-ea"/>
+                <a:ea typeface="+mn-ea"/>
+              </a:rPr>
+              <a:t>print(result) </a:t>
+            </a:r>
+            <a:endParaRPr lang="ko-KR" altLang="en-US" sz="1400">
+              <a:latin typeface="+mn-ea"/>
+              <a:ea typeface="+mn-ea"/>
+            </a:endParaRPr>
+          </a:p>
+        </p:txBody>
+      </p:sp>
+      <p:sp>
+        <p:nvSpPr>
+          <p:cNvPr id="6" name="직사각형 5"/>
+          <p:cNvSpPr/>
+          <p:nvPr/>
+        </p:nvSpPr>
+        <p:spPr>
+          <a:xfrm>
+            <a:off x="1331640" y="4418004"/>
+            <a:ext cx="6120680" cy="954107"/>
+          </a:xfrm>
+          <a:prstGeom prst="rect">
+            <a:avLst/>
+          </a:prstGeom>
+          <a:solidFill>
+            <a:schemeClr val="bg1">
+              <a:lumMod val="95000"/>
+            </a:schemeClr>
+          </a:solidFill>
+          <a:ln>
+            <a:solidFill>
+              <a:schemeClr val="bg1">
+                <a:lumMod val="75000"/>
+              </a:schemeClr>
+            </a:solidFill>
+          </a:ln>
+          <a:effectLst>
+            <a:outerShdw blurRad="50800" dist="38100" dir="2700000" algn="tl" rotWithShape="0">
+              <a:prstClr val="black">
+                <a:alpha val="40000"/>
+              </a:prstClr>
+            </a:outerShdw>
+          </a:effectLst>
+        </p:spPr>
+        <p:txBody>
+          <a:bodyPr wrap="square">
+            <a:spAutoFit/>
+          </a:bodyPr>
+          <a:lstStyle/>
+          <a:p>
+            <a:r>
+              <a:rPr lang="en-US" altLang="ko-KR" sz="1400" smtClean="0">
+                <a:latin typeface="+mn-ea"/>
+              </a:rPr>
+              <a:t>multi </a:t>
+            </a:r>
+            <a:r>
+              <a:rPr lang="en-US" altLang="ko-KR" sz="1400">
+                <a:latin typeface="+mn-ea"/>
+              </a:rPr>
+              <a:t>= </a:t>
+            </a:r>
+            <a:r>
+              <a:rPr lang="en-US" altLang="ko-KR" sz="1400">
+                <a:latin typeface="+mn-ea"/>
+              </a:rPr>
+              <a:t>lambda </a:t>
+            </a:r>
+            <a:r>
+              <a:rPr lang="en-US" altLang="ko-KR" sz="1400" smtClean="0">
+                <a:latin typeface="+mn-ea"/>
+              </a:rPr>
+              <a:t>x=3, y=4: </a:t>
+            </a:r>
+            <a:r>
+              <a:rPr lang="en-US" altLang="ko-KR" sz="1400">
+                <a:latin typeface="+mn-ea"/>
+              </a:rPr>
+              <a:t>x * y</a:t>
+            </a:r>
+            <a:r>
+              <a:rPr lang="ko-KR" altLang="en-US" sz="1400">
+                <a:latin typeface="+mn-ea"/>
+              </a:rPr>
+              <a:t>  </a:t>
+            </a:r>
+            <a:r>
+              <a:rPr lang="ko-KR" altLang="en-US" sz="1400">
+                <a:solidFill>
+                  <a:schemeClr val="tx1">
+                    <a:lumMod val="50000"/>
+                    <a:lumOff val="50000"/>
+                  </a:schemeClr>
+                </a:solidFill>
+                <a:latin typeface="+mn-ea"/>
+                <a:ea typeface="+mn-ea"/>
+              </a:rPr>
+              <a:t>#</a:t>
+            </a:r>
+            <a:r>
+              <a:rPr lang="ko-KR" altLang="en-US" sz="1400" smtClean="0">
+                <a:solidFill>
+                  <a:schemeClr val="tx1">
+                    <a:lumMod val="50000"/>
+                    <a:lumOff val="50000"/>
+                  </a:schemeClr>
+                </a:solidFill>
+                <a:latin typeface="+mn-ea"/>
+                <a:ea typeface="+mn-ea"/>
+              </a:rPr>
+              <a:t>람다함수 매게변수에 기본 값 지정</a:t>
+            </a:r>
+            <a:endParaRPr lang="ko-KR" altLang="en-US" sz="1400">
+              <a:solidFill>
+                <a:schemeClr val="tx1">
+                  <a:lumMod val="50000"/>
+                  <a:lumOff val="50000"/>
+                </a:schemeClr>
+              </a:solidFill>
+              <a:latin typeface="+mn-ea"/>
+              <a:ea typeface="+mn-ea"/>
+            </a:endParaRPr>
+          </a:p>
+          <a:p>
+            <a:endParaRPr lang="en-US" altLang="ko-KR" sz="1400">
+              <a:latin typeface="+mn-ea"/>
+            </a:endParaRPr>
+          </a:p>
+          <a:p>
+            <a:r>
+              <a:rPr lang="en-US" altLang="ko-KR" sz="1400">
+                <a:latin typeface="+mn-ea"/>
+              </a:rPr>
+              <a:t>result </a:t>
+            </a:r>
+            <a:r>
+              <a:rPr lang="en-US" altLang="ko-KR" sz="1400">
+                <a:latin typeface="+mn-ea"/>
+              </a:rPr>
+              <a:t>= </a:t>
+            </a:r>
+            <a:r>
+              <a:rPr lang="en-US" altLang="ko-KR" sz="1400" smtClean="0">
+                <a:latin typeface="+mn-ea"/>
+              </a:rPr>
+              <a:t>muli(</a:t>
+            </a:r>
+            <a:r>
+              <a:rPr lang="ko-KR" altLang="en-US" sz="1400" smtClean="0">
+                <a:latin typeface="+mn-ea"/>
+              </a:rPr>
+              <a:t>)</a:t>
+            </a:r>
+            <a:endParaRPr lang="en-US" altLang="ko-KR" sz="1400">
+              <a:latin typeface="+mn-ea"/>
+            </a:endParaRPr>
+          </a:p>
+          <a:p>
+            <a:r>
+              <a:rPr lang="en-US" altLang="ko-KR" sz="1400">
+                <a:latin typeface="+mn-ea"/>
+              </a:rPr>
+              <a:t>print(result)</a:t>
+            </a:r>
+            <a:endParaRPr lang="ko-KR" altLang="en-US" sz="1400">
+              <a:latin typeface="+mn-ea"/>
+            </a:endParaRPr>
+          </a:p>
+        </p:txBody>
+      </p:sp>
+    </p:spTree>
+    <p:extLst>
+      <p:ext uri="{BB962C8B-B14F-4D97-AF65-F5344CB8AC3E}">
+        <p14:creationId xmlns:p14="http://schemas.microsoft.com/office/powerpoint/2010/main" val="95668348"/>
+      </p:ext>
+    </p:extLst>
+  </p:cSld>
+  <p:clrMapOvr>
+    <a:masterClrMapping/>
+  </p:clrMapOvr>
+</p:sld>
+</file>
+
+<file path=ppt/slides/slide46.xml><?xml version="1.0" encoding="utf-8"?>
+<p:sld xmlns:a="http://schemas.openxmlformats.org/drawingml/2006/main" xmlns:r="http://schemas.openxmlformats.org/officeDocument/2006/relationships" xmlns:p="http://schemas.openxmlformats.org/presentationml/2006/main">
+  <p:cSld>
+    <p:spTree>
+      <p:nvGrpSpPr>
+        <p:cNvPr id="1" name=""/>
+        <p:cNvGrpSpPr/>
+        <p:nvPr/>
+      </p:nvGrpSpPr>
+      <p:grpSpPr>
+        <a:xfrm>
+          <a:off x="0" y="0"/>
+          <a:ext cx="0" cy="0"/>
+          <a:chOff x="0" y="0"/>
+          <a:chExt cx="0" cy="0"/>
+        </a:xfrm>
+      </p:grpSpPr>
+      <p:sp>
+        <p:nvSpPr>
           <p:cNvPr id="3" name="텍스트 개체 틀 2"/>
           <p:cNvSpPr>
             <a:spLocks noGrp="1"/>
@@ -29842,7 +30467,7 @@
 </p:sld>
 </file>
 
-<file path=ppt/slides/slide46.xml><?xml version="1.0" encoding="utf-8"?>
+<file path=ppt/slides/slide47.xml><?xml version="1.0" encoding="utf-8"?>
 <p:sld xmlns:a="http://schemas.openxmlformats.org/drawingml/2006/main" xmlns:r="http://schemas.openxmlformats.org/officeDocument/2006/relationships" xmlns:p="http://schemas.openxmlformats.org/presentationml/2006/main">
   <p:cSld>
     <p:spTree>
@@ -30056,7 +30681,7 @@
 </p:sld>
 </file>
 
-<file path=ppt/slides/slide47.xml><?xml version="1.0" encoding="utf-8"?>
+<file path=ppt/slides/slide48.xml><?xml version="1.0" encoding="utf-8"?>
 <p:sld xmlns:a="http://schemas.openxmlformats.org/drawingml/2006/main" xmlns:r="http://schemas.openxmlformats.org/officeDocument/2006/relationships" xmlns:p="http://schemas.openxmlformats.org/presentationml/2006/main">
   <p:cSld>
     <p:spTree>
@@ -30439,7 +31064,7 @@
 </p:sld>
 </file>
 
-<file path=ppt/slides/slide48.xml><?xml version="1.0" encoding="utf-8"?>
+<file path=ppt/slides/slide49.xml><?xml version="1.0" encoding="utf-8"?>
 <p:sld xmlns:a="http://schemas.openxmlformats.org/drawingml/2006/main" xmlns:r="http://schemas.openxmlformats.org/officeDocument/2006/relationships" xmlns:p="http://schemas.openxmlformats.org/presentationml/2006/main">
   <p:cSld>
     <p:spTree>
@@ -30762,7 +31387,183 @@
 </p:sld>
 </file>
 
-<file path=ppt/slides/slide49.xml><?xml version="1.0" encoding="utf-8"?>
+<file path=ppt/slides/slide5.xml><?xml version="1.0" encoding="utf-8"?>
+<p:sld xmlns:a="http://schemas.openxmlformats.org/drawingml/2006/main" xmlns:r="http://schemas.openxmlformats.org/officeDocument/2006/relationships" xmlns:p="http://schemas.openxmlformats.org/presentationml/2006/main">
+  <p:cSld>
+    <p:spTree>
+      <p:nvGrpSpPr>
+        <p:cNvPr id="1" name=""/>
+        <p:cNvGrpSpPr/>
+        <p:nvPr/>
+      </p:nvGrpSpPr>
+      <p:grpSpPr>
+        <a:xfrm>
+          <a:off x="0" y="0"/>
+          <a:ext cx="0" cy="0"/>
+          <a:chOff x="0" y="0"/>
+          <a:chExt cx="0" cy="0"/>
+        </a:xfrm>
+      </p:grpSpPr>
+      <p:sp>
+        <p:nvSpPr>
+          <p:cNvPr id="2" name="제목 1"/>
+          <p:cNvSpPr>
+            <a:spLocks noGrp="1"/>
+          </p:cNvSpPr>
+          <p:nvPr>
+            <p:ph type="title"/>
+          </p:nvPr>
+        </p:nvSpPr>
+        <p:spPr>
+          <a:xfrm>
+            <a:off x="539552" y="184745"/>
+            <a:ext cx="7992888" cy="548680"/>
+          </a:xfrm>
+        </p:spPr>
+        <p:txBody>
+          <a:bodyPr/>
+          <a:lstStyle/>
+          <a:p>
+            <a:r>
+              <a:rPr lang="en-US" altLang="ko-KR">
+                <a:solidFill>
+                  <a:srgbClr val="3C479D"/>
+                </a:solidFill>
+              </a:rPr>
+              <a:t>01. </a:t>
+            </a:r>
+            <a:r>
+              <a:rPr lang="ko-KR" altLang="en-US"/>
+              <a:t>분해와 함수</a:t>
+            </a:r>
+          </a:p>
+        </p:txBody>
+      </p:sp>
+      <p:sp>
+        <p:nvSpPr>
+          <p:cNvPr id="4" name="내용 개체 틀 2"/>
+          <p:cNvSpPr>
+            <a:spLocks noGrp="1"/>
+          </p:cNvSpPr>
+          <p:nvPr>
+            <p:ph idx="10"/>
+          </p:nvPr>
+        </p:nvSpPr>
+        <p:spPr>
+          <a:xfrm>
+            <a:off x="539552" y="980728"/>
+            <a:ext cx="7992888" cy="5476503"/>
+          </a:xfrm>
+        </p:spPr>
+        <p:txBody>
+          <a:bodyPr/>
+          <a:lstStyle/>
+          <a:p>
+            <a:pPr marL="514350" indent="-514350">
+              <a:buClr>
+                <a:srgbClr val="3C479D"/>
+              </a:buClr>
+              <a:buFont typeface="+mj-lt"/>
+              <a:buAutoNum type="romanUcPeriod"/>
+            </a:pPr>
+            <a:r>
+              <a:rPr lang="ko-KR" altLang="en-US" sz="2000"/>
+              <a:t>분해의 개념 </a:t>
+            </a:r>
+            <a:endParaRPr lang="en-US" altLang="ko-KR" sz="2000"/>
+          </a:p>
+          <a:p>
+            <a:pPr lvl="2">
+              <a:lnSpc>
+                <a:spcPct val="150000"/>
+              </a:lnSpc>
+              <a:buClr>
+                <a:srgbClr val="3C479D"/>
+              </a:buClr>
+            </a:pPr>
+            <a:r>
+              <a:rPr lang="ko-KR" altLang="en-US" sz="1600"/>
+              <a:t>복잡한 문제를 해결 가능한 수준의 작은 문제로 나누는 과정이 분해</a:t>
+            </a:r>
+            <a:endParaRPr lang="en-US" altLang="ko-KR" sz="1600"/>
+          </a:p>
+          <a:p>
+            <a:pPr lvl="2">
+              <a:lnSpc>
+                <a:spcPct val="150000"/>
+              </a:lnSpc>
+              <a:buClr>
+                <a:srgbClr val="3C479D"/>
+              </a:buClr>
+            </a:pPr>
+            <a:r>
+              <a:rPr lang="ko-KR" altLang="en-US" sz="1600"/>
+              <a:t>하나의 문제를 여러 개의 작은 부분으로 나누어 해결해 나가는 방법으로 분할 </a:t>
+            </a:r>
+            <a:r>
+              <a:rPr lang="ko-KR" altLang="en-US" sz="1600" smtClean="0"/>
+              <a:t>정복</a:t>
+            </a:r>
+            <a:r>
+              <a:rPr lang="en-US" altLang="ko-KR" sz="1600" smtClean="0"/>
+              <a:t>(Divide and Conquer)</a:t>
+            </a:r>
+            <a:r>
+              <a:rPr lang="ko-KR" altLang="en-US" sz="1600" smtClean="0"/>
+              <a:t>이라고도 </a:t>
+            </a:r>
+            <a:r>
+              <a:rPr lang="ko-KR" altLang="en-US" sz="1600"/>
+              <a:t>표현</a:t>
+            </a:r>
+            <a:endParaRPr lang="en-US" altLang="ko-KR" sz="1600"/>
+          </a:p>
+        </p:txBody>
+      </p:sp>
+      <p:pic>
+        <p:nvPicPr>
+          <p:cNvPr id="3" name="그림 2"/>
+          <p:cNvPicPr>
+            <a:picLocks noChangeAspect="1"/>
+          </p:cNvPicPr>
+          <p:nvPr/>
+        </p:nvPicPr>
+        <p:blipFill>
+          <a:blip r:embed="rId2">
+            <a:extLst>
+              <a:ext uri="{28A0092B-C50C-407E-A947-70E740481C1C}">
+                <a14:useLocalDpi xmlns:a14="http://schemas.microsoft.com/office/drawing/2010/main" val="0"/>
+              </a:ext>
+            </a:extLst>
+          </a:blip>
+          <a:stretch>
+            <a:fillRect/>
+          </a:stretch>
+        </p:blipFill>
+        <p:spPr>
+          <a:xfrm>
+            <a:off x="1127946" y="2780929"/>
+            <a:ext cx="6816100" cy="2722304"/>
+          </a:xfrm>
+          <a:prstGeom prst="rect">
+            <a:avLst/>
+          </a:prstGeom>
+        </p:spPr>
+      </p:pic>
+    </p:spTree>
+    <p:extLst>
+      <p:ext uri="{BB962C8B-B14F-4D97-AF65-F5344CB8AC3E}">
+        <p14:creationId xmlns:p14="http://schemas.microsoft.com/office/powerpoint/2010/main" val="1716034206"/>
+      </p:ext>
+    </p:extLst>
+  </p:cSld>
+  <p:clrMapOvr>
+    <a:masterClrMapping/>
+  </p:clrMapOvr>
+</p:sld>
+</file>
+
+<file path=ppt/slides/slide50.xml><?xml version="1.0" encoding="utf-8"?>
 <p:sld xmlns:a="http://schemas.openxmlformats.org/drawingml/2006/main" xmlns:r="http://schemas.openxmlformats.org/officeDocument/2006/relationships" xmlns:p="http://schemas.openxmlformats.org/presentationml/2006/main">
   <p:cSld>
     <p:spTree>
@@ -31032,183 +31833,7 @@
 </p:sld>
 </file>
 
-<file path=ppt/slides/slide5.xml><?xml version="1.0" encoding="utf-8"?>
-<p:sld xmlns:a="http://schemas.openxmlformats.org/drawingml/2006/main" xmlns:r="http://schemas.openxmlformats.org/officeDocument/2006/relationships" xmlns:p="http://schemas.openxmlformats.org/presentationml/2006/main">
-  <p:cSld>
-    <p:spTree>
-      <p:nvGrpSpPr>
-        <p:cNvPr id="1" name=""/>
-        <p:cNvGrpSpPr/>
-        <p:nvPr/>
-      </p:nvGrpSpPr>
-      <p:grpSpPr>
-        <a:xfrm>
-          <a:off x="0" y="0"/>
-          <a:ext cx="0" cy="0"/>
-          <a:chOff x="0" y="0"/>
-          <a:chExt cx="0" cy="0"/>
-        </a:xfrm>
-      </p:grpSpPr>
-      <p:sp>
-        <p:nvSpPr>
-          <p:cNvPr id="2" name="제목 1"/>
-          <p:cNvSpPr>
-            <a:spLocks noGrp="1"/>
-          </p:cNvSpPr>
-          <p:nvPr>
-            <p:ph type="title"/>
-          </p:nvPr>
-        </p:nvSpPr>
-        <p:spPr>
-          <a:xfrm>
-            <a:off x="539552" y="184745"/>
-            <a:ext cx="7992888" cy="548680"/>
-          </a:xfrm>
-        </p:spPr>
-        <p:txBody>
-          <a:bodyPr/>
-          <a:lstStyle/>
-          <a:p>
-            <a:r>
-              <a:rPr lang="en-US" altLang="ko-KR">
-                <a:solidFill>
-                  <a:srgbClr val="3C479D"/>
-                </a:solidFill>
-              </a:rPr>
-              <a:t>01. </a:t>
-            </a:r>
-            <a:r>
-              <a:rPr lang="ko-KR" altLang="en-US"/>
-              <a:t>분해와 함수</a:t>
-            </a:r>
-          </a:p>
-        </p:txBody>
-      </p:sp>
-      <p:sp>
-        <p:nvSpPr>
-          <p:cNvPr id="4" name="내용 개체 틀 2"/>
-          <p:cNvSpPr>
-            <a:spLocks noGrp="1"/>
-          </p:cNvSpPr>
-          <p:nvPr>
-            <p:ph idx="10"/>
-          </p:nvPr>
-        </p:nvSpPr>
-        <p:spPr>
-          <a:xfrm>
-            <a:off x="539552" y="980728"/>
-            <a:ext cx="7992888" cy="5476503"/>
-          </a:xfrm>
-        </p:spPr>
-        <p:txBody>
-          <a:bodyPr/>
-          <a:lstStyle/>
-          <a:p>
-            <a:pPr marL="514350" indent="-514350">
-              <a:buClr>
-                <a:srgbClr val="3C479D"/>
-              </a:buClr>
-              <a:buFont typeface="+mj-lt"/>
-              <a:buAutoNum type="romanUcPeriod"/>
-            </a:pPr>
-            <a:r>
-              <a:rPr lang="ko-KR" altLang="en-US" sz="2000"/>
-              <a:t>분해의 개념 </a:t>
-            </a:r>
-            <a:endParaRPr lang="en-US" altLang="ko-KR" sz="2000"/>
-          </a:p>
-          <a:p>
-            <a:pPr lvl="2">
-              <a:lnSpc>
-                <a:spcPct val="150000"/>
-              </a:lnSpc>
-              <a:buClr>
-                <a:srgbClr val="3C479D"/>
-              </a:buClr>
-            </a:pPr>
-            <a:r>
-              <a:rPr lang="ko-KR" altLang="en-US" sz="1600"/>
-              <a:t>복잡한 문제를 해결 가능한 수준의 작은 문제로 나누는 과정이 분해</a:t>
-            </a:r>
-            <a:endParaRPr lang="en-US" altLang="ko-KR" sz="1600"/>
-          </a:p>
-          <a:p>
-            <a:pPr lvl="2">
-              <a:lnSpc>
-                <a:spcPct val="150000"/>
-              </a:lnSpc>
-              <a:buClr>
-                <a:srgbClr val="3C479D"/>
-              </a:buClr>
-            </a:pPr>
-            <a:r>
-              <a:rPr lang="ko-KR" altLang="en-US" sz="1600"/>
-              <a:t>하나의 문제를 여러 개의 작은 부분으로 나누어 해결해 나가는 방법으로 분할 </a:t>
-            </a:r>
-            <a:r>
-              <a:rPr lang="ko-KR" altLang="en-US" sz="1600" smtClean="0"/>
-              <a:t>정복</a:t>
-            </a:r>
-            <a:r>
-              <a:rPr lang="en-US" altLang="ko-KR" sz="1600" smtClean="0"/>
-              <a:t>(Divide and Conquer)</a:t>
-            </a:r>
-            <a:r>
-              <a:rPr lang="ko-KR" altLang="en-US" sz="1600" smtClean="0"/>
-              <a:t>이라고도 </a:t>
-            </a:r>
-            <a:r>
-              <a:rPr lang="ko-KR" altLang="en-US" sz="1600"/>
-              <a:t>표현</a:t>
-            </a:r>
-            <a:endParaRPr lang="en-US" altLang="ko-KR" sz="1600"/>
-          </a:p>
-        </p:txBody>
-      </p:sp>
-      <p:pic>
-        <p:nvPicPr>
-          <p:cNvPr id="3" name="그림 2"/>
-          <p:cNvPicPr>
-            <a:picLocks noChangeAspect="1"/>
-          </p:cNvPicPr>
-          <p:nvPr/>
-        </p:nvPicPr>
-        <p:blipFill>
-          <a:blip r:embed="rId2">
-            <a:extLst>
-              <a:ext uri="{28A0092B-C50C-407E-A947-70E740481C1C}">
-                <a14:useLocalDpi xmlns:a14="http://schemas.microsoft.com/office/drawing/2010/main" val="0"/>
-              </a:ext>
-            </a:extLst>
-          </a:blip>
-          <a:stretch>
-            <a:fillRect/>
-          </a:stretch>
-        </p:blipFill>
-        <p:spPr>
-          <a:xfrm>
-            <a:off x="1127946" y="2780929"/>
-            <a:ext cx="6816100" cy="2722304"/>
-          </a:xfrm>
-          <a:prstGeom prst="rect">
-            <a:avLst/>
-          </a:prstGeom>
-        </p:spPr>
-      </p:pic>
-    </p:spTree>
-    <p:extLst>
-      <p:ext uri="{BB962C8B-B14F-4D97-AF65-F5344CB8AC3E}">
-        <p14:creationId xmlns:p14="http://schemas.microsoft.com/office/powerpoint/2010/main" val="1716034206"/>
-      </p:ext>
-    </p:extLst>
-  </p:cSld>
-  <p:clrMapOvr>
-    <a:masterClrMapping/>
-  </p:clrMapOvr>
-</p:sld>
-</file>
-
-<file path=ppt/slides/slide50.xml><?xml version="1.0" encoding="utf-8"?>
+<file path=ppt/slides/slide51.xml><?xml version="1.0" encoding="utf-8"?>
 <p:sld xmlns:a="http://schemas.openxmlformats.org/drawingml/2006/main" xmlns:r="http://schemas.openxmlformats.org/officeDocument/2006/relationships" xmlns:p="http://schemas.openxmlformats.org/presentationml/2006/main">
   <p:cSld>
     <p:spTree>
@@ -31454,7 +32079,7 @@
 </p:sld>
 </file>
 
-<file path=ppt/slides/slide51.xml><?xml version="1.0" encoding="utf-8"?>
+<file path=ppt/slides/slide52.xml><?xml version="1.0" encoding="utf-8"?>
 <p:sld xmlns:a="http://schemas.openxmlformats.org/drawingml/2006/main" xmlns:r="http://schemas.openxmlformats.org/officeDocument/2006/relationships" xmlns:p="http://schemas.openxmlformats.org/presentationml/2006/main">
   <p:cSld>
     <p:spTree>
@@ -31644,7 +32269,7 @@
 </p:sld>
 </file>
 
-<file path=ppt/slides/slide52.xml><?xml version="1.0" encoding="utf-8"?>
+<file path=ppt/slides/slide53.xml><?xml version="1.0" encoding="utf-8"?>
 <p:sld xmlns:a="http://schemas.openxmlformats.org/drawingml/2006/main" xmlns:r="http://schemas.openxmlformats.org/officeDocument/2006/relationships" xmlns:p="http://schemas.openxmlformats.org/presentationml/2006/main">
   <p:cSld>
     <p:spTree>
@@ -32033,7 +32658,7 @@
 </p:sld>
 </file>
 
-<file path=ppt/slides/slide53.xml><?xml version="1.0" encoding="utf-8"?>
+<file path=ppt/slides/slide54.xml><?xml version="1.0" encoding="utf-8"?>
 <p:sld xmlns:a="http://schemas.openxmlformats.org/drawingml/2006/main" xmlns:r="http://schemas.openxmlformats.org/officeDocument/2006/relationships" xmlns:p="http://schemas.openxmlformats.org/presentationml/2006/main">
   <p:cSld>
     <p:spTree>
@@ -32315,7 +32940,7 @@
 </p:sld>
 </file>
 
-<file path=ppt/slides/slide54.xml><?xml version="1.0" encoding="utf-8"?>
+<file path=ppt/slides/slide55.xml><?xml version="1.0" encoding="utf-8"?>
 <p:sld xmlns:a="http://schemas.openxmlformats.org/drawingml/2006/main" xmlns:r="http://schemas.openxmlformats.org/officeDocument/2006/relationships" xmlns:p="http://schemas.openxmlformats.org/presentationml/2006/main">
   <p:cSld>
     <p:spTree>
@@ -32486,7 +33111,7 @@
 </p:sld>
 </file>
 
-<file path=ppt/slides/slide55.xml><?xml version="1.0" encoding="utf-8"?>
+<file path=ppt/slides/slide56.xml><?xml version="1.0" encoding="utf-8"?>
 <p:sld xmlns:a="http://schemas.openxmlformats.org/drawingml/2006/main" xmlns:r="http://schemas.openxmlformats.org/officeDocument/2006/relationships" xmlns:p="http://schemas.openxmlformats.org/presentationml/2006/main">
   <p:cSld>
     <p:spTree>
@@ -32680,7 +33305,7 @@
 </p:sld>
 </file>
 
-<file path=ppt/slides/slide56.xml><?xml version="1.0" encoding="utf-8"?>
+<file path=ppt/slides/slide57.xml><?xml version="1.0" encoding="utf-8"?>
 <p:sld xmlns:a="http://schemas.openxmlformats.org/drawingml/2006/main" xmlns:r="http://schemas.openxmlformats.org/officeDocument/2006/relationships" xmlns:p="http://schemas.openxmlformats.org/presentationml/2006/main">
   <p:cSld>
     <p:spTree>
@@ -32868,7 +33493,7 @@
 </p:sld>
 </file>
 
-<file path=ppt/slides/slide57.xml><?xml version="1.0" encoding="utf-8"?>
+<file path=ppt/slides/slide58.xml><?xml version="1.0" encoding="utf-8"?>
 <p:sld xmlns:a="http://schemas.openxmlformats.org/drawingml/2006/main" xmlns:r="http://schemas.openxmlformats.org/officeDocument/2006/relationships" xmlns:p="http://schemas.openxmlformats.org/presentationml/2006/main">
   <p:cSld>
     <p:spTree>
@@ -33078,7 +33703,7 @@
 </p:sld>
 </file>
 
-<file path=ppt/slides/slide58.xml><?xml version="1.0" encoding="utf-8"?>
+<file path=ppt/slides/slide59.xml><?xml version="1.0" encoding="utf-8"?>
 <p:sld xmlns:a="http://schemas.openxmlformats.org/drawingml/2006/main" xmlns:r="http://schemas.openxmlformats.org/officeDocument/2006/relationships" xmlns:p="http://schemas.openxmlformats.org/presentationml/2006/main">
   <p:cSld>
     <p:spTree>
@@ -33392,228 +34017,6 @@
 </p:sld>
 </file>
 
-<file path=ppt/slides/slide59.xml><?xml version="1.0" encoding="utf-8"?>
-<p:sld xmlns:a="http://schemas.openxmlformats.org/drawingml/2006/main" xmlns:r="http://schemas.openxmlformats.org/officeDocument/2006/relationships" xmlns:p="http://schemas.openxmlformats.org/presentationml/2006/main">
-  <p:cSld>
-    <p:spTree>
-      <p:nvGrpSpPr>
-        <p:cNvPr id="1" name=""/>
-        <p:cNvGrpSpPr/>
-        <p:nvPr/>
-      </p:nvGrpSpPr>
-      <p:grpSpPr>
-        <a:xfrm>
-          <a:off x="0" y="0"/>
-          <a:ext cx="0" cy="0"/>
-          <a:chOff x="0" y="0"/>
-          <a:chExt cx="0" cy="0"/>
-        </a:xfrm>
-      </p:grpSpPr>
-      <p:sp>
-        <p:nvSpPr>
-          <p:cNvPr id="2" name="제목 1"/>
-          <p:cNvSpPr>
-            <a:spLocks noGrp="1"/>
-          </p:cNvSpPr>
-          <p:nvPr>
-            <p:ph type="title"/>
-          </p:nvPr>
-        </p:nvSpPr>
-        <p:spPr>
-          <a:xfrm>
-            <a:off x="539552" y="184745"/>
-            <a:ext cx="7992888" cy="548680"/>
-          </a:xfrm>
-        </p:spPr>
-        <p:txBody>
-          <a:bodyPr/>
-          <a:lstStyle/>
-          <a:p>
-            <a:r>
-              <a:rPr lang="en-US" altLang="ko-KR">
-                <a:solidFill>
-                  <a:srgbClr val="3C479D"/>
-                </a:solidFill>
-              </a:rPr>
-              <a:t>03. </a:t>
-            </a:r>
-            <a:r>
-              <a:rPr lang="ko-KR" altLang="en-US"/>
-              <a:t>함수의 활용</a:t>
-            </a:r>
-          </a:p>
-        </p:txBody>
-      </p:sp>
-      <p:sp>
-        <p:nvSpPr>
-          <p:cNvPr id="4" name="내용 개체 틀 2"/>
-          <p:cNvSpPr>
-            <a:spLocks noGrp="1"/>
-          </p:cNvSpPr>
-          <p:nvPr>
-            <p:ph idx="10"/>
-          </p:nvPr>
-        </p:nvSpPr>
-        <p:spPr>
-          <a:xfrm>
-            <a:off x="539552" y="1196751"/>
-            <a:ext cx="7920880" cy="5400601"/>
-          </a:xfrm>
-        </p:spPr>
-        <p:txBody>
-          <a:bodyPr/>
-          <a:lstStyle/>
-          <a:p>
-            <a:pPr marL="0" indent="0">
-              <a:buClr>
-                <a:srgbClr val="3C479D"/>
-              </a:buClr>
-              <a:buNone/>
-            </a:pPr>
-            <a:endParaRPr lang="en-US" altLang="ko-KR" sz="1800" b="1">
-              <a:solidFill>
-                <a:srgbClr val="3C479D"/>
-              </a:solidFill>
-            </a:endParaRPr>
-          </a:p>
-          <a:p>
-            <a:pPr marL="790575" lvl="2" indent="-342900">
-              <a:lnSpc>
-                <a:spcPct val="150000"/>
-              </a:lnSpc>
-              <a:buClr>
-                <a:srgbClr val="3C479D"/>
-              </a:buClr>
-              <a:buFont typeface="+mj-ea"/>
-              <a:buAutoNum type="circleNumDbPlain" startAt="3"/>
-            </a:pPr>
-            <a:r>
-              <a:rPr lang="ko-KR" altLang="en-US" sz="1600"/>
-              <a:t>각 키에 해당하는 네 개의 함수를 정의하고 키 이벤트 처리를 위한 </a:t>
-            </a:r>
-            <a:r>
-              <a:rPr lang="en-US" altLang="ko-KR" sz="1600" err="1"/>
-              <a:t>onkeypress</a:t>
-            </a:r>
-            <a:r>
-              <a:rPr lang="en-US" altLang="ko-KR" sz="1600"/>
-              <a:t>( ) </a:t>
-            </a:r>
-            <a:r>
-              <a:rPr lang="ko-KR" altLang="en-US" sz="1600" err="1"/>
-              <a:t>메소드의</a:t>
-            </a:r>
-            <a:r>
-              <a:rPr lang="ko-KR" altLang="en-US" sz="1600"/>
-              <a:t> 인수로 지정</a:t>
-            </a:r>
-            <a:r>
-              <a:rPr lang="en-US" altLang="ko-KR" sz="1600"/>
-              <a:t>, </a:t>
-            </a:r>
-            <a:r>
-              <a:rPr lang="ko-KR" altLang="en-US" sz="1600"/>
-              <a:t>코드의 마지막 에는 </a:t>
-            </a:r>
-            <a:r>
-              <a:rPr lang="en-US" altLang="ko-KR" sz="1600"/>
-              <a:t>listen( ) </a:t>
-            </a:r>
-            <a:r>
-              <a:rPr lang="ko-KR" altLang="en-US" sz="1600" err="1"/>
-              <a:t>메소드를</a:t>
-            </a:r>
-            <a:r>
-              <a:rPr lang="ko-KR" altLang="en-US" sz="1600"/>
-              <a:t> 사용하여 키 입력을 기다리도록 대기 모드로 설정</a:t>
-            </a:r>
-            <a:endParaRPr lang="en-US" altLang="ko-KR" sz="1600"/>
-          </a:p>
-        </p:txBody>
-      </p:sp>
-      <p:pic>
-        <p:nvPicPr>
-          <p:cNvPr id="5" name="그림 4"/>
-          <p:cNvPicPr>
-            <a:picLocks noChangeAspect="1"/>
-          </p:cNvPicPr>
-          <p:nvPr/>
-        </p:nvPicPr>
-        <p:blipFill>
-          <a:blip r:embed="rId3"/>
-          <a:stretch>
-            <a:fillRect/>
-          </a:stretch>
-        </p:blipFill>
-        <p:spPr>
-          <a:xfrm>
-            <a:off x="835533" y="1183188"/>
-            <a:ext cx="7400925" cy="428625"/>
-          </a:xfrm>
-          <a:prstGeom prst="rect">
-            <a:avLst/>
-          </a:prstGeom>
-        </p:spPr>
-      </p:pic>
-      <p:pic>
-        <p:nvPicPr>
-          <p:cNvPr id="8" name="그림 7"/>
-          <p:cNvPicPr>
-            <a:picLocks noChangeAspect="1"/>
-          </p:cNvPicPr>
-          <p:nvPr/>
-        </p:nvPicPr>
-        <p:blipFill rotWithShape="1">
-          <a:blip r:embed="rId4"/>
-          <a:srcRect r="6729"/>
-          <a:stretch/>
-        </p:blipFill>
-        <p:spPr>
-          <a:xfrm>
-            <a:off x="1403648" y="2811857"/>
-            <a:ext cx="6840760" cy="828675"/>
-          </a:xfrm>
-          <a:prstGeom prst="rect">
-            <a:avLst/>
-          </a:prstGeom>
-        </p:spPr>
-      </p:pic>
-      <p:pic>
-        <p:nvPicPr>
-          <p:cNvPr id="9" name="그림 8"/>
-          <p:cNvPicPr>
-            <a:picLocks noChangeAspect="1"/>
-          </p:cNvPicPr>
-          <p:nvPr/>
-        </p:nvPicPr>
-        <p:blipFill rotWithShape="1">
-          <a:blip r:embed="rId5"/>
-          <a:srcRect r="7139"/>
-          <a:stretch/>
-        </p:blipFill>
-        <p:spPr>
-          <a:xfrm>
-            <a:off x="1362952" y="3619817"/>
-            <a:ext cx="6881456" cy="2790825"/>
-          </a:xfrm>
-          <a:prstGeom prst="rect">
-            <a:avLst/>
-          </a:prstGeom>
-        </p:spPr>
-      </p:pic>
-    </p:spTree>
-    <p:extLst>
-      <p:ext uri="{BB962C8B-B14F-4D97-AF65-F5344CB8AC3E}">
-        <p14:creationId xmlns:p14="http://schemas.microsoft.com/office/powerpoint/2010/main" val="819914918"/>
-      </p:ext>
-    </p:extLst>
-  </p:cSld>
-  <p:clrMapOvr>
-    <a:masterClrMapping/>
-  </p:clrMapOvr>
-</p:sld>
-</file>
-
 <file path=ppt/slides/slide6.xml><?xml version="1.0" encoding="utf-8"?>
 <p:sld xmlns:a="http://schemas.openxmlformats.org/drawingml/2006/main" xmlns:r="http://schemas.openxmlformats.org/officeDocument/2006/relationships" xmlns:p="http://schemas.openxmlformats.org/presentationml/2006/main">
   <p:cSld>
@@ -34065,6 +34468,228 @@
       </p:pic>
       <p:pic>
         <p:nvPicPr>
+          <p:cNvPr id="8" name="그림 7"/>
+          <p:cNvPicPr>
+            <a:picLocks noChangeAspect="1"/>
+          </p:cNvPicPr>
+          <p:nvPr/>
+        </p:nvPicPr>
+        <p:blipFill rotWithShape="1">
+          <a:blip r:embed="rId4"/>
+          <a:srcRect r="6729"/>
+          <a:stretch/>
+        </p:blipFill>
+        <p:spPr>
+          <a:xfrm>
+            <a:off x="1403648" y="2811857"/>
+            <a:ext cx="6840760" cy="828675"/>
+          </a:xfrm>
+          <a:prstGeom prst="rect">
+            <a:avLst/>
+          </a:prstGeom>
+        </p:spPr>
+      </p:pic>
+      <p:pic>
+        <p:nvPicPr>
+          <p:cNvPr id="9" name="그림 8"/>
+          <p:cNvPicPr>
+            <a:picLocks noChangeAspect="1"/>
+          </p:cNvPicPr>
+          <p:nvPr/>
+        </p:nvPicPr>
+        <p:blipFill rotWithShape="1">
+          <a:blip r:embed="rId5"/>
+          <a:srcRect r="7139"/>
+          <a:stretch/>
+        </p:blipFill>
+        <p:spPr>
+          <a:xfrm>
+            <a:off x="1362952" y="3619817"/>
+            <a:ext cx="6881456" cy="2790825"/>
+          </a:xfrm>
+          <a:prstGeom prst="rect">
+            <a:avLst/>
+          </a:prstGeom>
+        </p:spPr>
+      </p:pic>
+    </p:spTree>
+    <p:extLst>
+      <p:ext uri="{BB962C8B-B14F-4D97-AF65-F5344CB8AC3E}">
+        <p14:creationId xmlns:p14="http://schemas.microsoft.com/office/powerpoint/2010/main" val="819914918"/>
+      </p:ext>
+    </p:extLst>
+  </p:cSld>
+  <p:clrMapOvr>
+    <a:masterClrMapping/>
+  </p:clrMapOvr>
+</p:sld>
+</file>
+
+<file path=ppt/slides/slide61.xml><?xml version="1.0" encoding="utf-8"?>
+<p:sld xmlns:a="http://schemas.openxmlformats.org/drawingml/2006/main" xmlns:r="http://schemas.openxmlformats.org/officeDocument/2006/relationships" xmlns:p="http://schemas.openxmlformats.org/presentationml/2006/main">
+  <p:cSld>
+    <p:spTree>
+      <p:nvGrpSpPr>
+        <p:cNvPr id="1" name=""/>
+        <p:cNvGrpSpPr/>
+        <p:nvPr/>
+      </p:nvGrpSpPr>
+      <p:grpSpPr>
+        <a:xfrm>
+          <a:off x="0" y="0"/>
+          <a:ext cx="0" cy="0"/>
+          <a:chOff x="0" y="0"/>
+          <a:chExt cx="0" cy="0"/>
+        </a:xfrm>
+      </p:grpSpPr>
+      <p:sp>
+        <p:nvSpPr>
+          <p:cNvPr id="2" name="제목 1"/>
+          <p:cNvSpPr>
+            <a:spLocks noGrp="1"/>
+          </p:cNvSpPr>
+          <p:nvPr>
+            <p:ph type="title"/>
+          </p:nvPr>
+        </p:nvSpPr>
+        <p:spPr>
+          <a:xfrm>
+            <a:off x="539552" y="184745"/>
+            <a:ext cx="7992888" cy="548680"/>
+          </a:xfrm>
+        </p:spPr>
+        <p:txBody>
+          <a:bodyPr/>
+          <a:lstStyle/>
+          <a:p>
+            <a:r>
+              <a:rPr lang="en-US" altLang="ko-KR">
+                <a:solidFill>
+                  <a:srgbClr val="3C479D"/>
+                </a:solidFill>
+              </a:rPr>
+              <a:t>03. </a:t>
+            </a:r>
+            <a:r>
+              <a:rPr lang="ko-KR" altLang="en-US"/>
+              <a:t>함수의 활용</a:t>
+            </a:r>
+          </a:p>
+        </p:txBody>
+      </p:sp>
+      <p:sp>
+        <p:nvSpPr>
+          <p:cNvPr id="4" name="내용 개체 틀 2"/>
+          <p:cNvSpPr>
+            <a:spLocks noGrp="1"/>
+          </p:cNvSpPr>
+          <p:nvPr>
+            <p:ph idx="10"/>
+          </p:nvPr>
+        </p:nvSpPr>
+        <p:spPr>
+          <a:xfrm>
+            <a:off x="539552" y="1196751"/>
+            <a:ext cx="7920880" cy="5400601"/>
+          </a:xfrm>
+        </p:spPr>
+        <p:txBody>
+          <a:bodyPr/>
+          <a:lstStyle/>
+          <a:p>
+            <a:pPr marL="0" indent="0">
+              <a:buClr>
+                <a:srgbClr val="3C479D"/>
+              </a:buClr>
+              <a:buNone/>
+            </a:pPr>
+            <a:endParaRPr lang="en-US" altLang="ko-KR" sz="1800" b="1">
+              <a:solidFill>
+                <a:srgbClr val="3C479D"/>
+              </a:solidFill>
+            </a:endParaRPr>
+          </a:p>
+          <a:p>
+            <a:pPr marL="790575" lvl="2" indent="-342900">
+              <a:lnSpc>
+                <a:spcPct val="150000"/>
+              </a:lnSpc>
+              <a:buClr>
+                <a:srgbClr val="3C479D"/>
+              </a:buClr>
+              <a:buFont typeface="+mj-ea"/>
+              <a:buAutoNum type="circleNumDbPlain" startAt="3"/>
+            </a:pPr>
+            <a:r>
+              <a:rPr lang="ko-KR" altLang="en-US" sz="1600"/>
+              <a:t>각 키에 해당하는 네 개의 함수를 정의하고 키 이벤트 처리를 위한 </a:t>
+            </a:r>
+            <a:r>
+              <a:rPr lang="en-US" altLang="ko-KR" sz="1600" err="1"/>
+              <a:t>onkeypress</a:t>
+            </a:r>
+            <a:r>
+              <a:rPr lang="en-US" altLang="ko-KR" sz="1600"/>
+              <a:t>( ) </a:t>
+            </a:r>
+            <a:r>
+              <a:rPr lang="ko-KR" altLang="en-US" sz="1600" err="1"/>
+              <a:t>메소드의</a:t>
+            </a:r>
+            <a:r>
+              <a:rPr lang="ko-KR" altLang="en-US" sz="1600"/>
+              <a:t> 인수로 지정</a:t>
+            </a:r>
+            <a:r>
+              <a:rPr lang="en-US" altLang="ko-KR" sz="1600"/>
+              <a:t>, </a:t>
+            </a:r>
+            <a:r>
+              <a:rPr lang="ko-KR" altLang="en-US" sz="1600"/>
+              <a:t>코드의 마지막 에는 </a:t>
+            </a:r>
+            <a:r>
+              <a:rPr lang="en-US" altLang="ko-KR" sz="1600"/>
+              <a:t>listen( ) </a:t>
+            </a:r>
+            <a:r>
+              <a:rPr lang="ko-KR" altLang="en-US" sz="1600" err="1"/>
+              <a:t>메소드를</a:t>
+            </a:r>
+            <a:r>
+              <a:rPr lang="ko-KR" altLang="en-US" sz="1600"/>
+              <a:t> 사용하여 키 입력을 기다리도록 대기 모드로 설정</a:t>
+            </a:r>
+            <a:endParaRPr lang="en-US" altLang="ko-KR" sz="1600"/>
+          </a:p>
+        </p:txBody>
+      </p:sp>
+      <p:pic>
+        <p:nvPicPr>
+          <p:cNvPr id="5" name="그림 4"/>
+          <p:cNvPicPr>
+            <a:picLocks noChangeAspect="1"/>
+          </p:cNvPicPr>
+          <p:nvPr/>
+        </p:nvPicPr>
+        <p:blipFill>
+          <a:blip r:embed="rId3"/>
+          <a:stretch>
+            <a:fillRect/>
+          </a:stretch>
+        </p:blipFill>
+        <p:spPr>
+          <a:xfrm>
+            <a:off x="835533" y="1183188"/>
+            <a:ext cx="7400925" cy="428625"/>
+          </a:xfrm>
+          <a:prstGeom prst="rect">
+            <a:avLst/>
+          </a:prstGeom>
+        </p:spPr>
+      </p:pic>
+      <p:pic>
+        <p:nvPicPr>
           <p:cNvPr id="3" name="그림 2"/>
           <p:cNvPicPr>
             <a:picLocks noChangeAspect="1"/>
@@ -34129,7 +34754,7 @@
 </p:sld>
 </file>
 
-<file path=ppt/slides/slide61.xml><?xml version="1.0" encoding="utf-8"?>
+<file path=ppt/slides/slide62.xml><?xml version="1.0" encoding="utf-8"?>
 <p:sld xmlns:a="http://schemas.openxmlformats.org/drawingml/2006/main" xmlns:r="http://schemas.openxmlformats.org/officeDocument/2006/relationships" xmlns:p="http://schemas.openxmlformats.org/presentationml/2006/main">
   <p:cSld>
     <p:spTree>
@@ -34300,7 +34925,7 @@
 </p:sld>
 </file>
 
-<file path=ppt/slides/slide62.xml><?xml version="1.0" encoding="utf-8"?>
+<file path=ppt/slides/slide63.xml><?xml version="1.0" encoding="utf-8"?>
 <p:sld xmlns:a="http://schemas.openxmlformats.org/drawingml/2006/main" xmlns:r="http://schemas.openxmlformats.org/officeDocument/2006/relationships" xmlns:p="http://schemas.openxmlformats.org/presentationml/2006/main">
   <p:cSld>
     <p:spTree>
@@ -34514,7 +35139,7 @@
 </p:sld>
 </file>
 
-<file path=ppt/slides/slide63.xml><?xml version="1.0" encoding="utf-8"?>
+<file path=ppt/slides/slide64.xml><?xml version="1.0" encoding="utf-8"?>
 <p:sld xmlns:a="http://schemas.openxmlformats.org/drawingml/2006/main" xmlns:r="http://schemas.openxmlformats.org/officeDocument/2006/relationships" xmlns:p="http://schemas.openxmlformats.org/presentationml/2006/main">
   <p:cSld>
     <p:spTree>
